--- a/documents/presentations/SA_Meeting_1117.pptx
+++ b/documents/presentations/SA_Meeting_1117.pptx
@@ -9,7 +9,8 @@
     <p:sldId id="259" r:id="rId3"/>
     <p:sldId id="258" r:id="rId4"/>
     <p:sldId id="257" r:id="rId5"/>
-    <p:sldId id="260" r:id="rId6"/>
+    <p:sldId id="262" r:id="rId6"/>
+    <p:sldId id="260" r:id="rId7"/>
   </p:sldIdLst>
   <p:sldSz cx="12192000" cy="6858000"/>
   <p:notesSz cx="6858000" cy="9144000"/>
@@ -5055,6 +5056,117 @@
           <a:chExt cx="0" cy="0"/>
         </a:xfrm>
       </p:grpSpPr>
+      <p:sp>
+        <p:nvSpPr>
+          <p:cNvPr id="2" name="Title 1">
+            <a:extLst>
+              <a:ext uri="{FF2B5EF4-FFF2-40B4-BE49-F238E27FC236}">
+                <a16:creationId xmlns:a16="http://schemas.microsoft.com/office/drawing/2014/main" id="{C3B00834-57DC-B55E-9D4D-1FE9702D44B1}"/>
+              </a:ext>
+            </a:extLst>
+          </p:cNvPr>
+          <p:cNvSpPr>
+            <a:spLocks noGrp="1"/>
+          </p:cNvSpPr>
+          <p:nvPr>
+            <p:ph type="title"/>
+          </p:nvPr>
+        </p:nvSpPr>
+        <p:spPr>
+          <a:xfrm>
+            <a:off x="762000" y="377466"/>
+            <a:ext cx="10668000" cy="752901"/>
+          </a:xfrm>
+        </p:spPr>
+        <p:txBody>
+          <a:bodyPr/>
+          <a:lstStyle/>
+          <a:p>
+            <a:r>
+              <a:rPr lang="en-US" dirty="0"/>
+              <a:t>Documentation</a:t>
+            </a:r>
+            <a:endParaRPr lang="de-DE" dirty="0"/>
+          </a:p>
+        </p:txBody>
+      </p:sp>
+      <p:sp>
+        <p:nvSpPr>
+          <p:cNvPr id="3" name="Content Placeholder 2">
+            <a:extLst>
+              <a:ext uri="{FF2B5EF4-FFF2-40B4-BE49-F238E27FC236}">
+                <a16:creationId xmlns:a16="http://schemas.microsoft.com/office/drawing/2014/main" id="{8B47407D-07CA-5E59-65CD-48030EDA3BCF}"/>
+              </a:ext>
+            </a:extLst>
+          </p:cNvPr>
+          <p:cNvSpPr>
+            <a:spLocks noGrp="1"/>
+          </p:cNvSpPr>
+          <p:nvPr>
+            <p:ph idx="1"/>
+          </p:nvPr>
+        </p:nvSpPr>
+        <p:spPr>
+          <a:xfrm>
+            <a:off x="762000" y="1310184"/>
+            <a:ext cx="10668000" cy="4793899"/>
+          </a:xfrm>
+        </p:spPr>
+        <p:txBody>
+          <a:bodyPr/>
+          <a:lstStyle/>
+          <a:p>
+            <a:r>
+              <a:rPr lang="en-US" dirty="0"/>
+              <a:t>Claudia </a:t>
+            </a:r>
+            <a:r>
+              <a:rPr lang="en-US" dirty="0" err="1"/>
+              <a:t>Furrer</a:t>
+            </a:r>
+            <a:r>
+              <a:rPr lang="en-US" dirty="0"/>
+              <a:t> Mail </a:t>
+            </a:r>
+            <a:r>
+              <a:rPr lang="en-US" dirty="0">
+                <a:sym typeface="Wingdings" panose="05000000000000000000" pitchFamily="2" charset="2"/>
+              </a:rPr>
+              <a:t> Structure for SA / BA</a:t>
+            </a:r>
+          </a:p>
+        </p:txBody>
+      </p:sp>
+    </p:spTree>
+    <p:extLst>
+      <p:ext uri="{BB962C8B-B14F-4D97-AF65-F5344CB8AC3E}">
+        <p14:creationId xmlns:p14="http://schemas.microsoft.com/office/powerpoint/2010/main" val="4290147199"/>
+      </p:ext>
+    </p:extLst>
+  </p:cSld>
+  <p:clrMapOvr>
+    <a:masterClrMapping/>
+  </p:clrMapOvr>
+</p:sld>
+</file>
+
+<file path=ppt/slides/slide6.xml><?xml version="1.0" encoding="utf-8"?>
+<p:sld xmlns:a="http://schemas.openxmlformats.org/drawingml/2006/main" xmlns:r="http://schemas.openxmlformats.org/officeDocument/2006/relationships" xmlns:p="http://schemas.openxmlformats.org/presentationml/2006/main">
+  <p:cSld>
+    <p:spTree>
+      <p:nvGrpSpPr>
+        <p:cNvPr id="1" name=""/>
+        <p:cNvGrpSpPr/>
+        <p:nvPr/>
+      </p:nvGrpSpPr>
+      <p:grpSpPr>
+        <a:xfrm>
+          <a:off x="0" y="0"/>
+          <a:ext cx="0" cy="0"/>
+          <a:chOff x="0" y="0"/>
+          <a:chExt cx="0" cy="0"/>
+        </a:xfrm>
+      </p:grpSpPr>
       <p:graphicFrame>
         <p:nvGraphicFramePr>
           <p:cNvPr id="3" name="Tabelle 4">
